--- a/flow_chart.pptx
+++ b/flow_chart.pptx
@@ -104,6 +104,11 @@
       </a:defRPr>
     </a:lvl9pPr>
   </p:defaultTextStyle>
+  <p:extLst>
+    <p:ext uri="{EFAFB233-063F-42B5-8137-9DF3F51BA10A}">
+      <p15:sldGuideLst xmlns:p15="http://schemas.microsoft.com/office/powerpoint/2012/main"/>
+    </p:ext>
+  </p:extLst>
 </p:presentation>
 </file>
 
@@ -256,7 +261,7 @@
           <a:p>
             <a:fld id="{D32303EC-3FB4-4455-A903-F88DCBBD7E59}" type="datetimeFigureOut">
               <a:rPr lang="en-IN" smtClean="0"/>
-              <a:t>30-03-2022</a:t>
+              <a:t>31-03-2022</a:t>
             </a:fld>
             <a:endParaRPr lang="en-IN"/>
           </a:p>
@@ -456,7 +461,7 @@
           <a:p>
             <a:fld id="{D32303EC-3FB4-4455-A903-F88DCBBD7E59}" type="datetimeFigureOut">
               <a:rPr lang="en-IN" smtClean="0"/>
-              <a:t>30-03-2022</a:t>
+              <a:t>31-03-2022</a:t>
             </a:fld>
             <a:endParaRPr lang="en-IN"/>
           </a:p>
@@ -666,7 +671,7 @@
           <a:p>
             <a:fld id="{D32303EC-3FB4-4455-A903-F88DCBBD7E59}" type="datetimeFigureOut">
               <a:rPr lang="en-IN" smtClean="0"/>
-              <a:t>30-03-2022</a:t>
+              <a:t>31-03-2022</a:t>
             </a:fld>
             <a:endParaRPr lang="en-IN"/>
           </a:p>
@@ -866,7 +871,7 @@
           <a:p>
             <a:fld id="{D32303EC-3FB4-4455-A903-F88DCBBD7E59}" type="datetimeFigureOut">
               <a:rPr lang="en-IN" smtClean="0"/>
-              <a:t>30-03-2022</a:t>
+              <a:t>31-03-2022</a:t>
             </a:fld>
             <a:endParaRPr lang="en-IN"/>
           </a:p>
@@ -1142,7 +1147,7 @@
           <a:p>
             <a:fld id="{D32303EC-3FB4-4455-A903-F88DCBBD7E59}" type="datetimeFigureOut">
               <a:rPr lang="en-IN" smtClean="0"/>
-              <a:t>30-03-2022</a:t>
+              <a:t>31-03-2022</a:t>
             </a:fld>
             <a:endParaRPr lang="en-IN"/>
           </a:p>
@@ -1410,7 +1415,7 @@
           <a:p>
             <a:fld id="{D32303EC-3FB4-4455-A903-F88DCBBD7E59}" type="datetimeFigureOut">
               <a:rPr lang="en-IN" smtClean="0"/>
-              <a:t>30-03-2022</a:t>
+              <a:t>31-03-2022</a:t>
             </a:fld>
             <a:endParaRPr lang="en-IN"/>
           </a:p>
@@ -1825,7 +1830,7 @@
           <a:p>
             <a:fld id="{D32303EC-3FB4-4455-A903-F88DCBBD7E59}" type="datetimeFigureOut">
               <a:rPr lang="en-IN" smtClean="0"/>
-              <a:t>30-03-2022</a:t>
+              <a:t>31-03-2022</a:t>
             </a:fld>
             <a:endParaRPr lang="en-IN"/>
           </a:p>
@@ -1967,7 +1972,7 @@
           <a:p>
             <a:fld id="{D32303EC-3FB4-4455-A903-F88DCBBD7E59}" type="datetimeFigureOut">
               <a:rPr lang="en-IN" smtClean="0"/>
-              <a:t>30-03-2022</a:t>
+              <a:t>31-03-2022</a:t>
             </a:fld>
             <a:endParaRPr lang="en-IN"/>
           </a:p>
@@ -2080,7 +2085,7 @@
           <a:p>
             <a:fld id="{D32303EC-3FB4-4455-A903-F88DCBBD7E59}" type="datetimeFigureOut">
               <a:rPr lang="en-IN" smtClean="0"/>
-              <a:t>30-03-2022</a:t>
+              <a:t>31-03-2022</a:t>
             </a:fld>
             <a:endParaRPr lang="en-IN"/>
           </a:p>
@@ -2393,7 +2398,7 @@
           <a:p>
             <a:fld id="{D32303EC-3FB4-4455-A903-F88DCBBD7E59}" type="datetimeFigureOut">
               <a:rPr lang="en-IN" smtClean="0"/>
-              <a:t>30-03-2022</a:t>
+              <a:t>31-03-2022</a:t>
             </a:fld>
             <a:endParaRPr lang="en-IN"/>
           </a:p>
@@ -2682,7 +2687,7 @@
           <a:p>
             <a:fld id="{D32303EC-3FB4-4455-A903-F88DCBBD7E59}" type="datetimeFigureOut">
               <a:rPr lang="en-IN" smtClean="0"/>
-              <a:t>30-03-2022</a:t>
+              <a:t>31-03-2022</a:t>
             </a:fld>
             <a:endParaRPr lang="en-IN"/>
           </a:p>
@@ -2925,7 +2930,7 @@
           <a:p>
             <a:fld id="{D32303EC-3FB4-4455-A903-F88DCBBD7E59}" type="datetimeFigureOut">
               <a:rPr lang="en-IN" smtClean="0"/>
-              <a:t>30-03-2022</a:t>
+              <a:t>31-03-2022</a:t>
             </a:fld>
             <a:endParaRPr lang="en-IN"/>
           </a:p>
@@ -3679,7 +3684,9 @@
           </a:fontRef>
         </p:style>
         <p:txBody>
-          <a:bodyPr rtlCol="0" anchor="ctr"/>
+          <a:bodyPr rtlCol="0" anchor="ctr">
+            <a:normAutofit fontScale="90000"/>
+          </a:bodyPr>
           <a:lstStyle/>
           <a:p>
             <a:pPr algn="ctr"/>
@@ -3873,47 +3880,6 @@
       </p:cxnSp>
       <p:cxnSp>
         <p:nvCxnSpPr>
-          <p:cNvPr id="35" name="Straight Arrow Connector 34">
-            <a:extLst>
-              <a:ext uri="{FF2B5EF4-FFF2-40B4-BE49-F238E27FC236}">
-                <a16:creationId xmlns:a16="http://schemas.microsoft.com/office/drawing/2014/main" id="{1F3441F8-A739-414F-BAC8-3AB34ADEDB0B}"/>
-              </a:ext>
-            </a:extLst>
-          </p:cNvPr>
-          <p:cNvCxnSpPr>
-            <a:cxnSpLocks/>
-          </p:cNvCxnSpPr>
-          <p:nvPr/>
-        </p:nvCxnSpPr>
-        <p:spPr>
-          <a:xfrm>
-            <a:off x="6662723" y="2159396"/>
-            <a:ext cx="442927" cy="0"/>
-          </a:xfrm>
-          <a:prstGeom prst="straightConnector1">
-            <a:avLst/>
-          </a:prstGeom>
-          <a:ln>
-            <a:tailEnd type="triangle"/>
-          </a:ln>
-        </p:spPr>
-        <p:style>
-          <a:lnRef idx="1">
-            <a:schemeClr val="accent1"/>
-          </a:lnRef>
-          <a:fillRef idx="0">
-            <a:schemeClr val="accent1"/>
-          </a:fillRef>
-          <a:effectRef idx="0">
-            <a:schemeClr val="accent1"/>
-          </a:effectRef>
-          <a:fontRef idx="minor">
-            <a:schemeClr val="tx1"/>
-          </a:fontRef>
-        </p:style>
-      </p:cxnSp>
-      <p:cxnSp>
-        <p:nvCxnSpPr>
           <p:cNvPr id="37" name="Straight Arrow Connector 36">
             <a:extLst>
               <a:ext uri="{FF2B5EF4-FFF2-40B4-BE49-F238E27FC236}">
@@ -3994,8 +3960,8 @@
           </a:fontRef>
         </p:style>
       </p:cxnSp>
-      <mc:AlternateContent xmlns:mc="http://schemas.openxmlformats.org/markup-compatibility/2006">
-        <mc:Choice xmlns:a14="http://schemas.microsoft.com/office/drawing/2010/main" Requires="a14">
+      <mc:AlternateContent xmlns:mc="http://schemas.openxmlformats.org/markup-compatibility/2006" xmlns:a14="http://schemas.microsoft.com/office/drawing/2010/main">
+        <mc:Choice Requires="a14">
           <p:sp>
             <p:nvSpPr>
               <p:cNvPr id="43" name="Rectangle: Rounded Corners 42">
@@ -4065,7 +4031,7 @@
             </p:txBody>
           </p:sp>
         </mc:Choice>
-        <mc:Fallback>
+        <mc:Fallback xmlns="">
           <p:sp>
             <p:nvSpPr>
               <p:cNvPr id="43" name="Rectangle: Rounded Corners 42">
@@ -4163,8 +4129,8 @@
           </a:p>
         </p:txBody>
       </p:sp>
-      <mc:AlternateContent xmlns:mc="http://schemas.openxmlformats.org/markup-compatibility/2006">
-        <mc:Choice xmlns:a14="http://schemas.microsoft.com/office/drawing/2010/main" Requires="a14">
+      <mc:AlternateContent xmlns:mc="http://schemas.openxmlformats.org/markup-compatibility/2006" xmlns:a14="http://schemas.microsoft.com/office/drawing/2010/main">
+        <mc:Choice Requires="a14">
           <p:sp>
             <p:nvSpPr>
               <p:cNvPr id="47" name="Rectangle: Rounded Corners 46">
@@ -4241,7 +4207,7 @@
             </p:txBody>
           </p:sp>
         </mc:Choice>
-        <mc:Fallback>
+        <mc:Fallback xmlns="">
           <p:sp>
             <p:nvSpPr>
               <p:cNvPr id="47" name="Rectangle: Rounded Corners 46">
@@ -4524,41 +4490,6 @@
       </p:cxnSp>
       <p:sp>
         <p:nvSpPr>
-          <p:cNvPr id="67" name="TextBox 66">
-            <a:extLst>
-              <a:ext uri="{FF2B5EF4-FFF2-40B4-BE49-F238E27FC236}">
-                <a16:creationId xmlns:a16="http://schemas.microsoft.com/office/drawing/2014/main" id="{7A472AC2-84B5-4968-AA34-8D8F4F0587C6}"/>
-              </a:ext>
-            </a:extLst>
-          </p:cNvPr>
-          <p:cNvSpPr txBox="1"/>
-          <p:nvPr/>
-        </p:nvSpPr>
-        <p:spPr>
-          <a:xfrm>
-            <a:off x="5560669" y="1599813"/>
-            <a:ext cx="389594" cy="276999"/>
-          </a:xfrm>
-          <a:prstGeom prst="rect">
-            <a:avLst/>
-          </a:prstGeom>
-          <a:noFill/>
-        </p:spPr>
-        <p:txBody>
-          <a:bodyPr wrap="none" rtlCol="0">
-            <a:spAutoFit/>
-          </a:bodyPr>
-          <a:lstStyle/>
-          <a:p>
-            <a:r>
-              <a:rPr lang="en-IN" sz="1200" dirty="0"/>
-              <a:t>yes</a:t>
-            </a:r>
-          </a:p>
-        </p:txBody>
-      </p:sp>
-      <p:sp>
-        <p:nvSpPr>
           <p:cNvPr id="68" name="TextBox 67">
             <a:extLst>
               <a:ext uri="{FF2B5EF4-FFF2-40B4-BE49-F238E27FC236}">
@@ -4885,6 +4816,41 @@
             <a:r>
               <a:rPr lang="en-IN" sz="1600" b="1" dirty="0"/>
               <a:t>Fig. 1.1 Flow Chart</a:t>
+            </a:r>
+          </a:p>
+        </p:txBody>
+      </p:sp>
+      <p:sp>
+        <p:nvSpPr>
+          <p:cNvPr id="36" name="TextBox 35">
+            <a:extLst>
+              <a:ext uri="{FF2B5EF4-FFF2-40B4-BE49-F238E27FC236}">
+                <a16:creationId xmlns:a16="http://schemas.microsoft.com/office/drawing/2014/main" id="{5C58C480-D1E1-48A4-98F7-57526480BB5A}"/>
+              </a:ext>
+            </a:extLst>
+          </p:cNvPr>
+          <p:cNvSpPr txBox="1"/>
+          <p:nvPr/>
+        </p:nvSpPr>
+        <p:spPr>
+          <a:xfrm>
+            <a:off x="4270511" y="1885941"/>
+            <a:ext cx="346570" cy="276999"/>
+          </a:xfrm>
+          <a:prstGeom prst="rect">
+            <a:avLst/>
+          </a:prstGeom>
+          <a:noFill/>
+        </p:spPr>
+        <p:txBody>
+          <a:bodyPr wrap="none" rtlCol="0">
+            <a:spAutoFit/>
+          </a:bodyPr>
+          <a:lstStyle/>
+          <a:p>
+            <a:r>
+              <a:rPr lang="en-IN" sz="1200" dirty="0"/>
+              <a:t>no</a:t>
             </a:r>
           </a:p>
         </p:txBody>
